--- a/presentation,video, & proposal/TUKANG DAGANG.pptx
+++ b/presentation,video, & proposal/TUKANG DAGANG.pptx
@@ -22,10 +22,12 @@
     <p:sldId id="271" r:id="rId16"/>
     <p:sldId id="273" r:id="rId17"/>
     <p:sldId id="276" r:id="rId18"/>
-    <p:sldId id="275" r:id="rId19"/>
-    <p:sldId id="277" r:id="rId20"/>
-    <p:sldId id="278" r:id="rId21"/>
-    <p:sldId id="274" r:id="rId22"/>
+    <p:sldId id="280" r:id="rId19"/>
+    <p:sldId id="279" r:id="rId20"/>
+    <p:sldId id="275" r:id="rId21"/>
+    <p:sldId id="277" r:id="rId22"/>
+    <p:sldId id="278" r:id="rId23"/>
+    <p:sldId id="274" r:id="rId24"/>
   </p:sldIdLst>
   <p:sldSz cx="12192000" cy="6858000"/>
   <p:notesSz cx="6858000" cy="9144000"/>
@@ -854,7 +856,7 @@
           <a:p>
             <a:fld id="{CCADA90E-D241-46BC-9484-F46F38347C02}" type="datetimeFigureOut">
               <a:rPr lang="id-ID" smtClean="0"/>
-              <a:t>09/02/2018</a:t>
+              <a:t>10/02/2018</a:t>
             </a:fld>
             <a:endParaRPr lang="id-ID"/>
           </a:p>
@@ -1105,7 +1107,7 @@
           <a:p>
             <a:fld id="{CCADA90E-D241-46BC-9484-F46F38347C02}" type="datetimeFigureOut">
               <a:rPr lang="id-ID" smtClean="0"/>
-              <a:t>09/02/2018</a:t>
+              <a:t>10/02/2018</a:t>
             </a:fld>
             <a:endParaRPr lang="id-ID"/>
           </a:p>
@@ -1419,7 +1421,7 @@
           <a:p>
             <a:fld id="{CCADA90E-D241-46BC-9484-F46F38347C02}" type="datetimeFigureOut">
               <a:rPr lang="id-ID" smtClean="0"/>
-              <a:t>09/02/2018</a:t>
+              <a:t>10/02/2018</a:t>
             </a:fld>
             <a:endParaRPr lang="id-ID"/>
           </a:p>
@@ -1760,7 +1762,7 @@
           <a:p>
             <a:fld id="{CCADA90E-D241-46BC-9484-F46F38347C02}" type="datetimeFigureOut">
               <a:rPr lang="id-ID" smtClean="0"/>
-              <a:t>09/02/2018</a:t>
+              <a:t>10/02/2018</a:t>
             </a:fld>
             <a:endParaRPr lang="id-ID"/>
           </a:p>
@@ -2074,7 +2076,7 @@
           <a:p>
             <a:fld id="{CCADA90E-D241-46BC-9484-F46F38347C02}" type="datetimeFigureOut">
               <a:rPr lang="id-ID" smtClean="0"/>
-              <a:t>09/02/2018</a:t>
+              <a:t>10/02/2018</a:t>
             </a:fld>
             <a:endParaRPr lang="id-ID"/>
           </a:p>
@@ -2467,7 +2469,7 @@
           <a:p>
             <a:fld id="{CCADA90E-D241-46BC-9484-F46F38347C02}" type="datetimeFigureOut">
               <a:rPr lang="id-ID" smtClean="0"/>
-              <a:t>09/02/2018</a:t>
+              <a:t>10/02/2018</a:t>
             </a:fld>
             <a:endParaRPr lang="id-ID"/>
           </a:p>
@@ -2637,7 +2639,7 @@
           <a:p>
             <a:fld id="{CCADA90E-D241-46BC-9484-F46F38347C02}" type="datetimeFigureOut">
               <a:rPr lang="id-ID" smtClean="0"/>
-              <a:t>09/02/2018</a:t>
+              <a:t>10/02/2018</a:t>
             </a:fld>
             <a:endParaRPr lang="id-ID"/>
           </a:p>
@@ -2817,7 +2819,7 @@
           <a:p>
             <a:fld id="{CCADA90E-D241-46BC-9484-F46F38347C02}" type="datetimeFigureOut">
               <a:rPr lang="id-ID" smtClean="0"/>
-              <a:t>09/02/2018</a:t>
+              <a:t>10/02/2018</a:t>
             </a:fld>
             <a:endParaRPr lang="id-ID"/>
           </a:p>
@@ -2993,7 +2995,7 @@
           <a:p>
             <a:fld id="{CCADA90E-D241-46BC-9484-F46F38347C02}" type="datetimeFigureOut">
               <a:rPr lang="id-ID" smtClean="0"/>
-              <a:t>09/02/2018</a:t>
+              <a:t>10/02/2018</a:t>
             </a:fld>
             <a:endParaRPr lang="id-ID"/>
           </a:p>
@@ -3240,7 +3242,7 @@
           <a:p>
             <a:fld id="{CCADA90E-D241-46BC-9484-F46F38347C02}" type="datetimeFigureOut">
               <a:rPr lang="id-ID" smtClean="0"/>
-              <a:t>09/02/2018</a:t>
+              <a:t>10/02/2018</a:t>
             </a:fld>
             <a:endParaRPr lang="id-ID"/>
           </a:p>
@@ -3472,7 +3474,7 @@
           <a:p>
             <a:fld id="{CCADA90E-D241-46BC-9484-F46F38347C02}" type="datetimeFigureOut">
               <a:rPr lang="id-ID" smtClean="0"/>
-              <a:t>09/02/2018</a:t>
+              <a:t>10/02/2018</a:t>
             </a:fld>
             <a:endParaRPr lang="id-ID"/>
           </a:p>
@@ -3846,7 +3848,7 @@
           <a:p>
             <a:fld id="{CCADA90E-D241-46BC-9484-F46F38347C02}" type="datetimeFigureOut">
               <a:rPr lang="id-ID" smtClean="0"/>
-              <a:t>09/02/2018</a:t>
+              <a:t>10/02/2018</a:t>
             </a:fld>
             <a:endParaRPr lang="id-ID"/>
           </a:p>
@@ -3969,7 +3971,7 @@
           <a:p>
             <a:fld id="{CCADA90E-D241-46BC-9484-F46F38347C02}" type="datetimeFigureOut">
               <a:rPr lang="id-ID" smtClean="0"/>
-              <a:t>09/02/2018</a:t>
+              <a:t>10/02/2018</a:t>
             </a:fld>
             <a:endParaRPr lang="id-ID"/>
           </a:p>
@@ -4064,7 +4066,7 @@
           <a:p>
             <a:fld id="{CCADA90E-D241-46BC-9484-F46F38347C02}" type="datetimeFigureOut">
               <a:rPr lang="id-ID" smtClean="0"/>
-              <a:t>09/02/2018</a:t>
+              <a:t>10/02/2018</a:t>
             </a:fld>
             <a:endParaRPr lang="id-ID"/>
           </a:p>
@@ -4319,7 +4321,7 @@
           <a:p>
             <a:fld id="{CCADA90E-D241-46BC-9484-F46F38347C02}" type="datetimeFigureOut">
               <a:rPr lang="id-ID" smtClean="0"/>
-              <a:t>09/02/2018</a:t>
+              <a:t>10/02/2018</a:t>
             </a:fld>
             <a:endParaRPr lang="id-ID"/>
           </a:p>
@@ -4582,7 +4584,7 @@
           <a:p>
             <a:fld id="{CCADA90E-D241-46BC-9484-F46F38347C02}" type="datetimeFigureOut">
               <a:rPr lang="id-ID" smtClean="0"/>
-              <a:t>09/02/2018</a:t>
+              <a:t>10/02/2018</a:t>
             </a:fld>
             <a:endParaRPr lang="id-ID"/>
           </a:p>
@@ -5325,7 +5327,7 @@
           <a:p>
             <a:fld id="{CCADA90E-D241-46BC-9484-F46F38347C02}" type="datetimeFigureOut">
               <a:rPr lang="id-ID" smtClean="0"/>
-              <a:t>09/02/2018</a:t>
+              <a:t>10/02/2018</a:t>
             </a:fld>
             <a:endParaRPr lang="id-ID"/>
           </a:p>
@@ -7914,12 +7916,12 @@
               <a:buNone/>
             </a:pPr>
             <a:r>
-              <a:rPr lang="id-ID" sz="4800" b="1" dirty="0">
+              <a:rPr lang="id-ID" sz="4800" b="1" dirty="0" smtClean="0">
                 <a:solidFill>
                   <a:srgbClr val="FF0000"/>
                 </a:solidFill>
               </a:rPr>
-              <a:t>API TELKOM XSIGHT</a:t>
+              <a:t>TOOLS</a:t>
             </a:r>
             <a:endParaRPr lang="id-ID" sz="4800" b="1" dirty="0" smtClean="0">
               <a:solidFill>
@@ -7968,63 +7970,227 @@
       </p:grpSpPr>
       <p:sp>
         <p:nvSpPr>
-          <p:cNvPr id="2" name="Title 1"/>
+          <p:cNvPr id="6" name="AutoShape 6" descr="Image result for CORDOVA"/>
           <p:cNvSpPr>
-            <a:spLocks noGrp="1"/>
+            <a:spLocks noChangeAspect="1" noChangeArrowheads="1"/>
           </p:cNvSpPr>
-          <p:nvPr>
-            <p:ph type="title"/>
-          </p:nvPr>
+          <p:nvPr/>
         </p:nvSpPr>
-        <p:spPr/>
+        <p:spPr bwMode="auto">
+          <a:xfrm>
+            <a:off x="155575" y="-144463"/>
+            <a:ext cx="304800" cy="304801"/>
+          </a:xfrm>
+          <a:prstGeom prst="rect">
+            <a:avLst/>
+          </a:prstGeom>
+          <a:noFill/>
+          <a:extLst>
+            <a:ext uri="{909E8E84-426E-40DD-AFC4-6F175D3DCCD1}">
+              <a14:hiddenFill xmlns:a14="http://schemas.microsoft.com/office/drawing/2010/main">
+                <a:solidFill>
+                  <a:srgbClr val="FFFFFF"/>
+                </a:solidFill>
+              </a14:hiddenFill>
+            </a:ext>
+          </a:extLst>
+        </p:spPr>
         <p:txBody>
-          <a:bodyPr/>
+          <a:bodyPr vert="horz" wrap="square" lIns="91440" tIns="45720" rIns="91440" bIns="45720" numCol="1" anchor="t" anchorCtr="0" compatLnSpc="1">
+            <a:prstTxWarp prst="textNoShape">
+              <a:avLst/>
+            </a:prstTxWarp>
+          </a:bodyPr>
           <a:lstStyle/>
           <a:p>
-            <a:r>
-              <a:rPr lang="en-US" dirty="0"/>
-              <a:t>SMS One Time Password (OTP) </a:t>
-            </a:r>
-            <a:r>
-              <a:rPr lang="id-ID" dirty="0"/>
-              <a:t/>
-            </a:r>
-            <a:br>
-              <a:rPr lang="id-ID" dirty="0"/>
-            </a:br>
+            <a:endParaRPr lang="id-ID"/>
+          </a:p>
+        </p:txBody>
+      </p:sp>
+      <p:pic>
+        <p:nvPicPr>
+          <p:cNvPr id="7" name="Picture 6"/>
+          <p:cNvPicPr>
+            <a:picLocks noChangeAspect="1"/>
+          </p:cNvPicPr>
+          <p:nvPr/>
+        </p:nvPicPr>
+        <p:blipFill>
+          <a:blip r:embed="rId2">
+            <a:extLst>
+              <a:ext uri="{28A0092B-C50C-407E-A947-70E740481C1C}">
+                <a14:useLocalDpi xmlns:a14="http://schemas.microsoft.com/office/drawing/2010/main" val="0"/>
+              </a:ext>
+            </a:extLst>
+          </a:blip>
+          <a:stretch>
+            <a:fillRect/>
+          </a:stretch>
+        </p:blipFill>
+        <p:spPr>
+          <a:xfrm>
+            <a:off x="672354" y="2164976"/>
+            <a:ext cx="2444377" cy="2749924"/>
+          </a:xfrm>
+          <a:prstGeom prst="rect">
+            <a:avLst/>
+          </a:prstGeom>
+        </p:spPr>
+      </p:pic>
+      <p:pic>
+        <p:nvPicPr>
+          <p:cNvPr id="8" name="Picture 7"/>
+          <p:cNvPicPr>
+            <a:picLocks noChangeAspect="1"/>
+          </p:cNvPicPr>
+          <p:nvPr/>
+        </p:nvPicPr>
+        <p:blipFill>
+          <a:blip r:embed="rId3">
+            <a:extLst>
+              <a:ext uri="{28A0092B-C50C-407E-A947-70E740481C1C}">
+                <a14:useLocalDpi xmlns:a14="http://schemas.microsoft.com/office/drawing/2010/main" val="0"/>
+              </a:ext>
+            </a:extLst>
+          </a:blip>
+          <a:stretch>
+            <a:fillRect/>
+          </a:stretch>
+        </p:blipFill>
+        <p:spPr>
+          <a:xfrm>
+            <a:off x="3994898" y="2326339"/>
+            <a:ext cx="2249021" cy="2249021"/>
+          </a:xfrm>
+          <a:prstGeom prst="rect">
+            <a:avLst/>
+          </a:prstGeom>
+        </p:spPr>
+      </p:pic>
+      <p:pic>
+        <p:nvPicPr>
+          <p:cNvPr id="9" name="Picture 8"/>
+          <p:cNvPicPr>
+            <a:picLocks noChangeAspect="1"/>
+          </p:cNvPicPr>
+          <p:nvPr/>
+        </p:nvPicPr>
+        <p:blipFill>
+          <a:blip r:embed="rId4" cstate="print">
+            <a:extLst>
+              <a:ext uri="{28A0092B-C50C-407E-A947-70E740481C1C}">
+                <a14:useLocalDpi xmlns:a14="http://schemas.microsoft.com/office/drawing/2010/main" val="0"/>
+              </a:ext>
+            </a:extLst>
+          </a:blip>
+          <a:stretch>
+            <a:fillRect/>
+          </a:stretch>
+        </p:blipFill>
+        <p:spPr>
+          <a:xfrm>
+            <a:off x="7122086" y="2326339"/>
+            <a:ext cx="2380129" cy="2380129"/>
+          </a:xfrm>
+          <a:prstGeom prst="rect">
+            <a:avLst/>
+          </a:prstGeom>
+        </p:spPr>
+      </p:pic>
+      <p:sp>
+        <p:nvSpPr>
+          <p:cNvPr id="10" name="TextBox 9"/>
+          <p:cNvSpPr txBox="1"/>
+          <p:nvPr/>
+        </p:nvSpPr>
+        <p:spPr>
+          <a:xfrm>
+            <a:off x="4395395" y="5163671"/>
+            <a:ext cx="1448025" cy="369332"/>
+          </a:xfrm>
+          <a:prstGeom prst="rect">
+            <a:avLst/>
+          </a:prstGeom>
+          <a:noFill/>
+        </p:spPr>
+        <p:txBody>
+          <a:bodyPr wrap="none" rtlCol="0">
+            <a:spAutoFit/>
+          </a:bodyPr>
+          <a:lstStyle/>
+          <a:p>
+            <a:r>
+              <a:rPr lang="id-ID" dirty="0" smtClean="0"/>
+              <a:t>Framework 7</a:t>
+            </a:r>
             <a:endParaRPr lang="id-ID" dirty="0"/>
           </a:p>
         </p:txBody>
       </p:sp>
       <p:sp>
         <p:nvSpPr>
-          <p:cNvPr id="3" name="Content Placeholder 2"/>
-          <p:cNvSpPr>
-            <a:spLocks noGrp="1"/>
-          </p:cNvSpPr>
-          <p:nvPr>
-            <p:ph idx="1"/>
-          </p:nvPr>
+          <p:cNvPr id="11" name="TextBox 10"/>
+          <p:cNvSpPr txBox="1"/>
+          <p:nvPr/>
         </p:nvSpPr>
-        <p:spPr/>
+        <p:spPr>
+          <a:xfrm>
+            <a:off x="1017699" y="5163671"/>
+            <a:ext cx="1753685" cy="369332"/>
+          </a:xfrm>
+          <a:prstGeom prst="rect">
+            <a:avLst/>
+          </a:prstGeom>
+          <a:noFill/>
+        </p:spPr>
         <p:txBody>
-          <a:bodyPr>
-            <a:normAutofit/>
+          <a:bodyPr wrap="none" rtlCol="0">
+            <a:spAutoFit/>
           </a:bodyPr>
           <a:lstStyle/>
           <a:p>
             <a:r>
-              <a:rPr lang="id-ID" sz="2000" dirty="0" smtClean="0"/>
-              <a:t>Fitur SMS OTP pada aplikasi Tukang Dagang berfungsi untuk melakukan verifikasi nomor handphone user pada saat  melakukan pendaftaran </a:t>
-            </a:r>
-            <a:endParaRPr lang="id-ID" sz="2000" dirty="0"/>
+              <a:rPr lang="id-ID" dirty="0" smtClean="0"/>
+              <a:t>Apache Cordova</a:t>
+            </a:r>
+            <a:endParaRPr lang="id-ID" dirty="0"/>
+          </a:p>
+        </p:txBody>
+      </p:sp>
+      <p:sp>
+        <p:nvSpPr>
+          <p:cNvPr id="12" name="TextBox 11"/>
+          <p:cNvSpPr txBox="1"/>
+          <p:nvPr/>
+        </p:nvSpPr>
+        <p:spPr>
+          <a:xfrm>
+            <a:off x="7501693" y="5163671"/>
+            <a:ext cx="1620913" cy="369332"/>
+          </a:xfrm>
+          <a:prstGeom prst="rect">
+            <a:avLst/>
+          </a:prstGeom>
+          <a:noFill/>
+        </p:spPr>
+        <p:txBody>
+          <a:bodyPr wrap="square" rtlCol="0">
+            <a:spAutoFit/>
+          </a:bodyPr>
+          <a:lstStyle/>
+          <a:p>
+            <a:r>
+              <a:rPr lang="id-ID" dirty="0" smtClean="0"/>
+              <a:t>Android Studio</a:t>
+            </a:r>
+            <a:endParaRPr lang="id-ID" dirty="0"/>
           </a:p>
         </p:txBody>
       </p:sp>
     </p:spTree>
     <p:extLst>
       <p:ext uri="{BB962C8B-B14F-4D97-AF65-F5344CB8AC3E}">
-        <p14:creationId xmlns:p14="http://schemas.microsoft.com/office/powerpoint/2010/main" val="3501736507"/>
+        <p14:creationId xmlns:p14="http://schemas.microsoft.com/office/powerpoint/2010/main" val="3293316559"/>
       </p:ext>
     </p:extLst>
   </p:cSld>
@@ -8044,6 +8210,14 @@
 <file path=ppt/slides/slide19.xml><?xml version="1.0" encoding="utf-8"?>
 <p:sld xmlns:a="http://schemas.openxmlformats.org/drawingml/2006/main" xmlns:r="http://schemas.openxmlformats.org/officeDocument/2006/relationships" xmlns:p="http://schemas.openxmlformats.org/presentationml/2006/main">
   <p:cSld>
+    <p:bg>
+      <p:bgPr>
+        <a:solidFill>
+          <a:schemeClr val="accent2"/>
+        </a:solidFill>
+        <a:effectLst/>
+      </p:bgPr>
+    </p:bg>
     <p:spTree>
       <p:nvGrpSpPr>
         <p:cNvPr id="1" name=""/>
@@ -8060,30 +8234,7 @@
       </p:grpSpPr>
       <p:sp>
         <p:nvSpPr>
-          <p:cNvPr id="2" name="Title 1"/>
-          <p:cNvSpPr>
-            <a:spLocks noGrp="1"/>
-          </p:cNvSpPr>
-          <p:nvPr>
-            <p:ph type="title"/>
-          </p:nvPr>
-        </p:nvSpPr>
-        <p:spPr/>
-        <p:txBody>
-          <a:bodyPr/>
-          <a:lstStyle/>
-          <a:p>
-            <a:r>
-              <a:rPr lang="id-ID" dirty="0" smtClean="0"/>
-              <a:t>SMS Notification</a:t>
-            </a:r>
-            <a:endParaRPr lang="id-ID" dirty="0"/>
-          </a:p>
-        </p:txBody>
-      </p:sp>
-      <p:sp>
-        <p:nvSpPr>
-          <p:cNvPr id="3" name="Content Placeholder 2"/>
+          <p:cNvPr id="4" name="Content Placeholder 2"/>
           <p:cNvSpPr>
             <a:spLocks noGrp="1"/>
           </p:cNvSpPr>
@@ -8091,26 +8242,41 @@
             <p:ph idx="1"/>
           </p:nvPr>
         </p:nvSpPr>
-        <p:spPr/>
+        <p:spPr>
+          <a:xfrm>
+            <a:off x="323850" y="2914650"/>
+            <a:ext cx="10246475" cy="2556282"/>
+          </a:xfrm>
+        </p:spPr>
         <p:txBody>
           <a:bodyPr>
             <a:normAutofit/>
           </a:bodyPr>
           <a:lstStyle/>
           <a:p>
-            <a:pPr algn="just"/>
-            <a:r>
-              <a:rPr lang="id-ID" sz="2000" dirty="0" smtClean="0"/>
-              <a:t>SMS Notification pada aplikasi Tukang Dagang berfungsi untuk memberikan informasi seperti ucapan selamat telah bergabung dengan , pengingat, dan informasi lainya.</a:t>
-            </a:r>
-            <a:endParaRPr lang="id-ID" sz="2000" dirty="0"/>
+            <a:pPr marL="0" indent="0" algn="ctr">
+              <a:buNone/>
+            </a:pPr>
+            <a:r>
+              <a:rPr lang="id-ID" sz="4800" b="1" dirty="0">
+                <a:solidFill>
+                  <a:srgbClr val="FF0000"/>
+                </a:solidFill>
+              </a:rPr>
+              <a:t>API TELKOM XSIGHT</a:t>
+            </a:r>
+            <a:endParaRPr lang="id-ID" sz="4800" b="1" dirty="0" smtClean="0">
+              <a:solidFill>
+                <a:srgbClr val="FF0000"/>
+              </a:solidFill>
+            </a:endParaRPr>
           </a:p>
         </p:txBody>
       </p:sp>
     </p:spTree>
     <p:extLst>
       <p:ext uri="{BB962C8B-B14F-4D97-AF65-F5344CB8AC3E}">
-        <p14:creationId xmlns:p14="http://schemas.microsoft.com/office/powerpoint/2010/main" val="659911653"/>
+        <p14:creationId xmlns:p14="http://schemas.microsoft.com/office/powerpoint/2010/main" val="2538327773"/>
       </p:ext>
     </p:extLst>
   </p:cSld>
@@ -8701,9 +8867,16 @@
           <a:lstStyle/>
           <a:p>
             <a:r>
-              <a:rPr lang="id-ID" dirty="0" smtClean="0"/>
-              <a:t>Helio</a:t>
-            </a:r>
+              <a:rPr lang="en-US" dirty="0"/>
+              <a:t>SMS One Time Password (OTP) </a:t>
+            </a:r>
+            <a:r>
+              <a:rPr lang="id-ID" dirty="0"/>
+              <a:t/>
+            </a:r>
+            <a:br>
+              <a:rPr lang="id-ID" dirty="0"/>
+            </a:br>
             <a:endParaRPr lang="id-ID" dirty="0"/>
           </a:p>
         </p:txBody>
@@ -8720,23 +8893,357 @@
         </p:nvSpPr>
         <p:spPr/>
         <p:txBody>
+          <a:bodyPr>
+            <a:normAutofit/>
+          </a:bodyPr>
+          <a:lstStyle/>
+          <a:p>
+            <a:pPr algn="just"/>
+            <a:r>
+              <a:rPr lang="id-ID" sz="2000" dirty="0" smtClean="0"/>
+              <a:t>Fitur SMS OTP pada aplikasi Tukang Dagang berfungsi untuk melakukan verifikasi nomor handphone </a:t>
+            </a:r>
+            <a:r>
+              <a:rPr lang="id-ID" sz="2000" dirty="0" smtClean="0"/>
+              <a:t>penggunapada </a:t>
+            </a:r>
+            <a:r>
+              <a:rPr lang="id-ID" sz="2000" dirty="0" smtClean="0"/>
+              <a:t>saat  </a:t>
+            </a:r>
+            <a:r>
+              <a:rPr lang="id-ID" sz="2000" dirty="0" smtClean="0"/>
+              <a:t>melakukan </a:t>
+            </a:r>
+            <a:r>
+              <a:rPr lang="id-ID" sz="2000" dirty="0" smtClean="0"/>
+              <a:t>pendaftaran </a:t>
+            </a:r>
+            <a:endParaRPr lang="id-ID" sz="2000" dirty="0"/>
+          </a:p>
+        </p:txBody>
+      </p:sp>
+      <p:pic>
+        <p:nvPicPr>
+          <p:cNvPr id="5" name="Picture 4"/>
+          <p:cNvPicPr>
+            <a:picLocks noChangeAspect="1"/>
+          </p:cNvPicPr>
+          <p:nvPr/>
+        </p:nvPicPr>
+        <p:blipFill>
+          <a:blip r:embed="rId2"/>
+          <a:stretch>
+            <a:fillRect/>
+          </a:stretch>
+        </p:blipFill>
+        <p:spPr>
+          <a:xfrm>
+            <a:off x="516870" y="3050512"/>
+            <a:ext cx="5133975" cy="2990850"/>
+          </a:xfrm>
+          <a:prstGeom prst="rect">
+            <a:avLst/>
+          </a:prstGeom>
+        </p:spPr>
+      </p:pic>
+      <p:pic>
+        <p:nvPicPr>
+          <p:cNvPr id="6" name="Picture 5"/>
+          <p:cNvPicPr>
+            <a:picLocks noChangeAspect="1"/>
+          </p:cNvPicPr>
+          <p:nvPr/>
+        </p:nvPicPr>
+        <p:blipFill>
+          <a:blip r:embed="rId3"/>
+          <a:stretch>
+            <a:fillRect/>
+          </a:stretch>
+        </p:blipFill>
+        <p:spPr>
+          <a:xfrm>
+            <a:off x="5143779" y="3743506"/>
+            <a:ext cx="6343713" cy="1823575"/>
+          </a:xfrm>
+          <a:prstGeom prst="rect">
+            <a:avLst/>
+          </a:prstGeom>
+        </p:spPr>
+      </p:pic>
+    </p:spTree>
+    <p:extLst>
+      <p:ext uri="{BB962C8B-B14F-4D97-AF65-F5344CB8AC3E}">
+        <p14:creationId xmlns:p14="http://schemas.microsoft.com/office/powerpoint/2010/main" val="3501736507"/>
+      </p:ext>
+    </p:extLst>
+  </p:cSld>
+  <p:clrMapOvr>
+    <a:masterClrMapping/>
+  </p:clrMapOvr>
+  <p:timing>
+    <p:tnLst>
+      <p:par>
+        <p:cTn id="1" dur="indefinite" restart="never" nodeType="tmRoot"/>
+      </p:par>
+    </p:tnLst>
+  </p:timing>
+</p:sld>
+</file>
+
+<file path=ppt/slides/slide21.xml><?xml version="1.0" encoding="utf-8"?>
+<p:sld xmlns:a="http://schemas.openxmlformats.org/drawingml/2006/main" xmlns:r="http://schemas.openxmlformats.org/officeDocument/2006/relationships" xmlns:p="http://schemas.openxmlformats.org/presentationml/2006/main">
+  <p:cSld>
+    <p:spTree>
+      <p:nvGrpSpPr>
+        <p:cNvPr id="1" name=""/>
+        <p:cNvGrpSpPr/>
+        <p:nvPr/>
+      </p:nvGrpSpPr>
+      <p:grpSpPr>
+        <a:xfrm>
+          <a:off x="0" y="0"/>
+          <a:ext cx="0" cy="0"/>
+          <a:chOff x="0" y="0"/>
+          <a:chExt cx="0" cy="0"/>
+        </a:xfrm>
+      </p:grpSpPr>
+      <p:sp>
+        <p:nvSpPr>
+          <p:cNvPr id="2" name="Title 1"/>
+          <p:cNvSpPr>
+            <a:spLocks noGrp="1"/>
+          </p:cNvSpPr>
+          <p:nvPr>
+            <p:ph type="title"/>
+          </p:nvPr>
+        </p:nvSpPr>
+        <p:spPr/>
+        <p:txBody>
           <a:bodyPr/>
           <a:lstStyle/>
           <a:p>
             <a:r>
               <a:rPr lang="id-ID" dirty="0" smtClean="0"/>
-              <a:t>Email  berfungsi </a:t>
-            </a:r>
-            <a:r>
-              <a:rPr lang="id-ID" dirty="0"/>
-              <a:t>untuk memberikan informasi seperti ucapan selamat telah bergabung dengan , pengingat, dan informasi lainya.</a:t>
-            </a:r>
-          </a:p>
-          <a:p>
+              <a:t>SMS Notification</a:t>
+            </a:r>
             <a:endParaRPr lang="id-ID" dirty="0"/>
           </a:p>
         </p:txBody>
       </p:sp>
+      <p:sp>
+        <p:nvSpPr>
+          <p:cNvPr id="3" name="Content Placeholder 2"/>
+          <p:cNvSpPr>
+            <a:spLocks noGrp="1"/>
+          </p:cNvSpPr>
+          <p:nvPr>
+            <p:ph idx="1"/>
+          </p:nvPr>
+        </p:nvSpPr>
+        <p:spPr>
+          <a:xfrm>
+            <a:off x="677334" y="2160589"/>
+            <a:ext cx="10187890" cy="3880773"/>
+          </a:xfrm>
+        </p:spPr>
+        <p:txBody>
+          <a:bodyPr>
+            <a:normAutofit/>
+          </a:bodyPr>
+          <a:lstStyle/>
+          <a:p>
+            <a:pPr algn="just"/>
+            <a:r>
+              <a:rPr lang="id-ID" sz="2400" dirty="0" smtClean="0"/>
+              <a:t>SMS Notification pada aplikasi Tukang Dagang berfungsi untuk </a:t>
+            </a:r>
+            <a:r>
+              <a:rPr lang="id-ID" sz="2400" dirty="0" smtClean="0"/>
+              <a:t> </a:t>
+            </a:r>
+          </a:p>
+          <a:p>
+            <a:pPr lvl="1" algn="just"/>
+            <a:r>
+              <a:rPr lang="id-ID" sz="1800" dirty="0" smtClean="0"/>
+              <a:t>Pemberitahuan kepada pengguna bahwa, pengguna telah berhasil memasang iklan (untuk dipasang di Aplikasi Tukang Dangang)</a:t>
+            </a:r>
+          </a:p>
+          <a:p>
+            <a:pPr lvl="1" algn="just"/>
+            <a:endParaRPr lang="id-ID" sz="1800" dirty="0" smtClean="0"/>
+          </a:p>
+          <a:p>
+            <a:pPr lvl="1" algn="just"/>
+            <a:endParaRPr lang="id-ID" sz="1800" dirty="0" smtClean="0"/>
+          </a:p>
+          <a:p>
+            <a:pPr lvl="1" algn="just"/>
+            <a:endParaRPr lang="id-ID" sz="1800" dirty="0"/>
+          </a:p>
+        </p:txBody>
+      </p:sp>
+      <p:pic>
+        <p:nvPicPr>
+          <p:cNvPr id="4" name="Picture 3"/>
+          <p:cNvPicPr>
+            <a:picLocks noChangeAspect="1"/>
+          </p:cNvPicPr>
+          <p:nvPr/>
+        </p:nvPicPr>
+        <p:blipFill>
+          <a:blip r:embed="rId2"/>
+          <a:stretch>
+            <a:fillRect/>
+          </a:stretch>
+        </p:blipFill>
+        <p:spPr>
+          <a:xfrm>
+            <a:off x="1087811" y="3623142"/>
+            <a:ext cx="5048565" cy="2418220"/>
+          </a:xfrm>
+          <a:prstGeom prst="rect">
+            <a:avLst/>
+          </a:prstGeom>
+        </p:spPr>
+      </p:pic>
+    </p:spTree>
+    <p:extLst>
+      <p:ext uri="{BB962C8B-B14F-4D97-AF65-F5344CB8AC3E}">
+        <p14:creationId xmlns:p14="http://schemas.microsoft.com/office/powerpoint/2010/main" val="659911653"/>
+      </p:ext>
+    </p:extLst>
+  </p:cSld>
+  <p:clrMapOvr>
+    <a:masterClrMapping/>
+  </p:clrMapOvr>
+  <p:timing>
+    <p:tnLst>
+      <p:par>
+        <p:cTn id="1" dur="indefinite" restart="never" nodeType="tmRoot"/>
+      </p:par>
+    </p:tnLst>
+  </p:timing>
+</p:sld>
+</file>
+
+<file path=ppt/slides/slide22.xml><?xml version="1.0" encoding="utf-8"?>
+<p:sld xmlns:a="http://schemas.openxmlformats.org/drawingml/2006/main" xmlns:r="http://schemas.openxmlformats.org/officeDocument/2006/relationships" xmlns:p="http://schemas.openxmlformats.org/presentationml/2006/main">
+  <p:cSld>
+    <p:spTree>
+      <p:nvGrpSpPr>
+        <p:cNvPr id="1" name=""/>
+        <p:cNvGrpSpPr/>
+        <p:nvPr/>
+      </p:nvGrpSpPr>
+      <p:grpSpPr>
+        <a:xfrm>
+          <a:off x="0" y="0"/>
+          <a:ext cx="0" cy="0"/>
+          <a:chOff x="0" y="0"/>
+          <a:chExt cx="0" cy="0"/>
+        </a:xfrm>
+      </p:grpSpPr>
+      <p:sp>
+        <p:nvSpPr>
+          <p:cNvPr id="2" name="Title 1"/>
+          <p:cNvSpPr>
+            <a:spLocks noGrp="1"/>
+          </p:cNvSpPr>
+          <p:nvPr>
+            <p:ph type="title"/>
+          </p:nvPr>
+        </p:nvSpPr>
+        <p:spPr/>
+        <p:txBody>
+          <a:bodyPr/>
+          <a:lstStyle/>
+          <a:p>
+            <a:r>
+              <a:rPr lang="id-ID" dirty="0" smtClean="0"/>
+              <a:t>Helio</a:t>
+            </a:r>
+            <a:endParaRPr lang="id-ID" dirty="0"/>
+          </a:p>
+        </p:txBody>
+      </p:sp>
+      <p:sp>
+        <p:nvSpPr>
+          <p:cNvPr id="3" name="Content Placeholder 2"/>
+          <p:cNvSpPr>
+            <a:spLocks noGrp="1"/>
+          </p:cNvSpPr>
+          <p:nvPr>
+            <p:ph idx="1"/>
+          </p:nvPr>
+        </p:nvSpPr>
+        <p:spPr>
+          <a:xfrm>
+            <a:off x="677333" y="2160589"/>
+            <a:ext cx="10349255" cy="3880773"/>
+          </a:xfrm>
+        </p:spPr>
+        <p:txBody>
+          <a:bodyPr>
+            <a:normAutofit/>
+          </a:bodyPr>
+          <a:lstStyle/>
+          <a:p>
+            <a:r>
+              <a:rPr lang="id-ID" sz="2400" dirty="0" smtClean="0"/>
+              <a:t>Email  berfungsi </a:t>
+            </a:r>
+            <a:r>
+              <a:rPr lang="id-ID" sz="2400" dirty="0"/>
+              <a:t>untuk memberikan informasi </a:t>
+            </a:r>
+            <a:r>
+              <a:rPr lang="id-ID" sz="2400" dirty="0" smtClean="0"/>
+              <a:t>kepada pengguna seperti :</a:t>
+            </a:r>
+          </a:p>
+          <a:p>
+            <a:pPr lvl="1"/>
+            <a:r>
+              <a:rPr lang="id-ID" sz="1800" dirty="0" smtClean="0"/>
+              <a:t>Memberikan ucapan selamat bergabung, kepada pengguna yang baru saja bergabung dengan Tukang Dagang.</a:t>
+            </a:r>
+          </a:p>
+          <a:p>
+            <a:pPr lvl="1"/>
+            <a:endParaRPr lang="id-ID" sz="1800" dirty="0" smtClean="0"/>
+          </a:p>
+          <a:p>
+            <a:pPr lvl="1"/>
+            <a:endParaRPr lang="id-ID" sz="2400" dirty="0"/>
+          </a:p>
+        </p:txBody>
+      </p:sp>
+      <p:pic>
+        <p:nvPicPr>
+          <p:cNvPr id="4" name="Picture 3"/>
+          <p:cNvPicPr>
+            <a:picLocks noChangeAspect="1"/>
+          </p:cNvPicPr>
+          <p:nvPr/>
+        </p:nvPicPr>
+        <p:blipFill>
+          <a:blip r:embed="rId2"/>
+          <a:stretch>
+            <a:fillRect/>
+          </a:stretch>
+        </p:blipFill>
+        <p:spPr>
+          <a:xfrm>
+            <a:off x="1185582" y="3480726"/>
+            <a:ext cx="6781800" cy="2790825"/>
+          </a:xfrm>
+          <a:prstGeom prst="rect">
+            <a:avLst/>
+          </a:prstGeom>
+        </p:spPr>
+      </p:pic>
     </p:spTree>
     <p:extLst>
       <p:ext uri="{BB962C8B-B14F-4D97-AF65-F5344CB8AC3E}">
@@ -8757,7 +9264,7 @@
 </p:sld>
 </file>
 
-<file path=ppt/slides/slide21.xml><?xml version="1.0" encoding="utf-8"?>
+<file path=ppt/slides/slide23.xml><?xml version="1.0" encoding="utf-8"?>
 <p:sld xmlns:a="http://schemas.openxmlformats.org/drawingml/2006/main" xmlns:r="http://schemas.openxmlformats.org/officeDocument/2006/relationships" xmlns:p="http://schemas.openxmlformats.org/presentationml/2006/main">
   <p:cSld>
     <p:bg>
